--- a/target/test-classes/reports/Project1.pptx
+++ b/target/test-classes/reports/Project1.pptx
@@ -213,7 +213,7 @@
           <a:effectLst/>
           <a:extLst>
             <a:ext uri="{91240B29-F687-4f45-9708-019B960494DF}">
-              <a14:hiddenLine xmlns:a14="http://schemas.microsoft.com/office/drawing/2010/main" xmlns="" w="9525">
+              <a14:hiddenLine xmlns="" xmlns:a14="http://schemas.microsoft.com/office/drawing/2010/main" w="9525">
                 <a:solidFill>
                   <a:srgbClr val="000000"/>
                 </a:solidFill>
@@ -406,7 +406,7 @@
             <a:fld id="{08B9EBBA-996F-894A-B54A-D6246ED52CEA}" type="datetimeFigureOut">
               <a:rPr lang="en-US" dirty="0"/>
               <a:pPr/>
-              <a:t>9/12/2020</a:t>
+              <a:t>9/22/2020</a:t>
             </a:fld>
             <a:endParaRPr lang="en-US" dirty="0"/>
           </a:p>
@@ -721,7 +721,7 @@
             <a:fld id="{18C79C5D-2A6F-F04D-97DA-BEF2467B64E4}" type="datetimeFigureOut">
               <a:rPr lang="en-US" dirty="0"/>
               <a:pPr/>
-              <a:t>9/12/2020</a:t>
+              <a:t>9/22/2020</a:t>
             </a:fld>
             <a:endParaRPr lang="en-US" dirty="0"/>
           </a:p>
@@ -1206,7 +1206,7 @@
             <a:fld id="{8DFA1846-DA80-1C48-A609-854EA85C59AD}" type="datetimeFigureOut">
               <a:rPr lang="en-US" dirty="0"/>
               <a:pPr/>
-              <a:t>9/12/2020</a:t>
+              <a:t>9/22/2020</a:t>
             </a:fld>
             <a:endParaRPr lang="en-US" dirty="0"/>
           </a:p>
@@ -1572,7 +1572,7 @@
             <a:fld id="{FBF54567-0DE4-3F47-BF90-CB84690072F9}" type="datetimeFigureOut">
               <a:rPr lang="en-US" dirty="0"/>
               <a:pPr/>
-              <a:t>9/12/2020</a:t>
+              <a:t>9/22/2020</a:t>
             </a:fld>
             <a:endParaRPr lang="en-US" dirty="0"/>
           </a:p>
@@ -1723,7 +1723,7 @@
           <a:ln/>
           <a:extLst>
             <a:ext uri="{91240B29-F687-4f45-9708-019B960494DF}">
-              <a14:hiddenLine xmlns:a14="http://schemas.microsoft.com/office/drawing/2010/main" xmlns="" w="9525">
+              <a14:hiddenLine xmlns="" xmlns:a14="http://schemas.microsoft.com/office/drawing/2010/main" w="9525">
                 <a:solidFill>
                   <a:srgbClr val="000000"/>
                 </a:solidFill>
@@ -1842,7 +1842,7 @@
             <a:fld id="{C6C52C72-DE31-F449-A4ED-4C594FD91407}" type="datetimeFigureOut">
               <a:rPr lang="en-US" dirty="0"/>
               <a:pPr/>
-              <a:t>9/12/2020</a:t>
+              <a:t>9/22/2020</a:t>
             </a:fld>
             <a:endParaRPr lang="en-US" dirty="0"/>
           </a:p>
@@ -1995,7 +1995,7 @@
           <a:ln/>
           <a:extLst>
             <a:ext uri="{91240B29-F687-4f45-9708-019B960494DF}">
-              <a14:hiddenLine xmlns:a14="http://schemas.microsoft.com/office/drawing/2010/main" xmlns="" w="9525">
+              <a14:hiddenLine xmlns="" xmlns:a14="http://schemas.microsoft.com/office/drawing/2010/main" w="9525">
                 <a:solidFill>
                   <a:srgbClr val="000000"/>
                 </a:solidFill>
@@ -2124,7 +2124,7 @@
             <a:fld id="{ED62726E-379B-B349-9EED-81ED093FA806}" type="datetimeFigureOut">
               <a:rPr lang="en-US" dirty="0"/>
               <a:pPr/>
-              <a:t>9/12/2020</a:t>
+              <a:t>9/22/2020</a:t>
             </a:fld>
             <a:endParaRPr lang="en-US" dirty="0"/>
           </a:p>
@@ -2275,7 +2275,7 @@
           <a:ln/>
           <a:extLst>
             <a:ext uri="{91240B29-F687-4f45-9708-019B960494DF}">
-              <a14:hiddenLine xmlns:a14="http://schemas.microsoft.com/office/drawing/2010/main" xmlns="" w="9525">
+              <a14:hiddenLine xmlns="" xmlns:a14="http://schemas.microsoft.com/office/drawing/2010/main" w="9525">
                 <a:solidFill>
                   <a:srgbClr val="000000"/>
                 </a:solidFill>
@@ -2404,7 +2404,7 @@
             <a:fld id="{9B3A1323-8D79-1946-B0D7-40001CF92E9D}" type="datetimeFigureOut">
               <a:rPr lang="en-US" dirty="0"/>
               <a:pPr/>
-              <a:t>9/12/2020</a:t>
+              <a:t>9/22/2020</a:t>
             </a:fld>
             <a:endParaRPr lang="en-US" dirty="0"/>
           </a:p>
@@ -2744,7 +2744,7 @@
             <a:fld id="{8DFA1846-DA80-1C48-A609-854EA85C59AD}" type="datetimeFigureOut">
               <a:rPr lang="en-US" dirty="0"/>
               <a:pPr/>
-              <a:t>9/12/2020</a:t>
+              <a:t>9/22/2020</a:t>
             </a:fld>
             <a:endParaRPr lang="en-US" dirty="0"/>
           </a:p>
@@ -2895,7 +2895,7 @@
           <a:ln/>
           <a:extLst>
             <a:ext uri="{91240B29-F687-4f45-9708-019B960494DF}">
-              <a14:hiddenLine xmlns:a14="http://schemas.microsoft.com/office/drawing/2010/main" xmlns="" w="9525">
+              <a14:hiddenLine xmlns="" xmlns:a14="http://schemas.microsoft.com/office/drawing/2010/main" w="9525">
                 <a:solidFill>
                   <a:srgbClr val="000000"/>
                 </a:solidFill>
@@ -3080,7 +3080,7 @@
             <a:fld id="{57302355-E14B-8545-A8F8-0FE83CC9D524}" type="datetimeFigureOut">
               <a:rPr lang="en-US" dirty="0"/>
               <a:pPr/>
-              <a:t>9/12/2020</a:t>
+              <a:t>9/22/2020</a:t>
             </a:fld>
             <a:endParaRPr lang="en-US" dirty="0"/>
           </a:p>
@@ -3231,7 +3231,7 @@
           <a:ln/>
           <a:extLst>
             <a:ext uri="{91240B29-F687-4f45-9708-019B960494DF}">
-              <a14:hiddenLine xmlns:a14="http://schemas.microsoft.com/office/drawing/2010/main" xmlns="" w="9525">
+              <a14:hiddenLine xmlns="" xmlns:a14="http://schemas.microsoft.com/office/drawing/2010/main" w="9525">
                 <a:solidFill>
                   <a:srgbClr val="000000"/>
                 </a:solidFill>
@@ -3554,7 +3554,7 @@
             <a:fld id="{02640F58-564D-2B4F-AE67-E407BA4FCF45}" type="datetimeFigureOut">
               <a:rPr lang="en-US" dirty="0"/>
               <a:pPr/>
-              <a:t>9/12/2020</a:t>
+              <a:t>9/22/2020</a:t>
             </a:fld>
             <a:endParaRPr lang="en-US" dirty="0"/>
           </a:p>
@@ -3705,7 +3705,7 @@
           <a:ln/>
           <a:extLst>
             <a:ext uri="{91240B29-F687-4f45-9708-019B960494DF}">
-              <a14:hiddenLine xmlns:a14="http://schemas.microsoft.com/office/drawing/2010/main" xmlns="" w="9525">
+              <a14:hiddenLine xmlns="" xmlns:a14="http://schemas.microsoft.com/office/drawing/2010/main" w="9525">
                 <a:solidFill>
                   <a:srgbClr val="000000"/>
                 </a:solidFill>
@@ -3772,7 +3772,7 @@
             <a:fld id="{F13A34C8-038E-2045-AF43-DF7DBB8E0E9E}" type="datetimeFigureOut">
               <a:rPr lang="en-US" dirty="0"/>
               <a:pPr/>
-              <a:t>9/12/2020</a:t>
+              <a:t>9/22/2020</a:t>
             </a:fld>
             <a:endParaRPr lang="en-US" dirty="0"/>
           </a:p>
@@ -3864,7 +3864,7 @@
             <a:fld id="{8818C68F-D26B-8F47-958C-23B49CF8A634}" type="datetimeFigureOut">
               <a:rPr lang="en-US" dirty="0"/>
               <a:pPr/>
-              <a:t>9/12/2020</a:t>
+              <a:t>9/22/2020</a:t>
             </a:fld>
             <a:endParaRPr lang="en-US" dirty="0"/>
           </a:p>
@@ -4128,7 +4128,7 @@
           <a:ln/>
           <a:extLst>
             <a:ext uri="{91240B29-F687-4f45-9708-019B960494DF}">
-              <a14:hiddenLine xmlns:a14="http://schemas.microsoft.com/office/drawing/2010/main" xmlns="" w="9525">
+              <a14:hiddenLine xmlns="" xmlns:a14="http://schemas.microsoft.com/office/drawing/2010/main" w="9525">
                 <a:solidFill>
                   <a:srgbClr val="000000"/>
                 </a:solidFill>
@@ -4328,7 +4328,7 @@
             <a:fld id="{D0DF5E60-9974-AC48-9591-99C2BB44B7CF}" type="datetimeFigureOut">
               <a:rPr lang="en-US" dirty="0"/>
               <a:pPr/>
-              <a:t>9/12/2020</a:t>
+              <a:t>9/22/2020</a:t>
             </a:fld>
             <a:endParaRPr lang="en-US" dirty="0"/>
           </a:p>
@@ -4638,7 +4638,7 @@
             <a:fld id="{18C79C5D-2A6F-F04D-97DA-BEF2467B64E4}" type="datetimeFigureOut">
               <a:rPr lang="en-US" dirty="0"/>
               <a:pPr/>
-              <a:t>9/12/2020</a:t>
+              <a:t>9/22/2020</a:t>
             </a:fld>
             <a:endParaRPr lang="en-US" dirty="0"/>
           </a:p>
@@ -4905,7 +4905,7 @@
             <a:fld id="{09B482E8-6E0E-1B4F-B1FD-C69DB9E858D9}" type="datetimeFigureOut">
               <a:rPr lang="en-US" dirty="0"/>
               <a:pPr/>
-              <a:t>9/12/2020</a:t>
+              <a:t>9/22/2020</a:t>
             </a:fld>
             <a:endParaRPr lang="en-US" dirty="0"/>
           </a:p>
@@ -5391,7 +5391,7 @@
             </a:r>
             <a:r>
               <a:rPr lang="en-US" altLang="ko-KR" dirty="0"/>
-              <a:t>Your LOGO</a:t>
+              <a:t>Automation Testing</a:t>
             </a:r>
             <a:endParaRPr lang="ko-KR" altLang="en-US" dirty="0"/>
           </a:p>
@@ -5413,10 +5413,15 @@
             <p:ph type="subTitle" idx="1"/>
           </p:nvPr>
         </p:nvSpPr>
-        <p:spPr/>
+        <p:spPr>
+          <a:xfrm>
+            <a:off x="810001" y="5280846"/>
+            <a:ext cx="10572000" cy="886871"/>
+          </a:xfrm>
+        </p:spPr>
         <p:txBody>
           <a:bodyPr>
-            <a:normAutofit fontScale="92500"/>
+            <a:normAutofit/>
           </a:bodyPr>
           <a:lstStyle/>
           <a:p>
@@ -5426,7 +5431,13 @@
             </a:r>
             <a:r>
               <a:rPr lang="en-US" altLang="ko-KR" dirty="0"/>
-              <a:t> Automation Testing                                                                                           By Irene Lee	                           </a:t>
+              <a:t> Automation Testing                                                                                           By Irene Lee</a:t>
+            </a:r>
+          </a:p>
+          <a:p>
+            <a:r>
+              <a:rPr lang="en-US" altLang="ko-KR" dirty="0"/>
+              <a:t>Instructor : Naresh	                           </a:t>
             </a:r>
             <a:endParaRPr lang="ko-KR" altLang="en-US" dirty="0"/>
           </a:p>
